--- a/Collider/Other/compare_model_ppts.pptx
+++ b/Collider/Other/compare_model_ppts.pptx
@@ -204,7 +204,7 @@
           <a:p>
             <a:fld id="{6C2B5622-880E-5245-9169-AE204C3B2849}" type="datetimeFigureOut">
               <a:rPr lang="en-US" smtClean="0"/>
-              <a:t>8/29/24</a:t>
+              <a:t>9/11/24</a:t>
             </a:fld>
             <a:endParaRPr lang="en-US"/>
           </a:p>
@@ -621,7 +621,7 @@
           <a:p>
             <a:fld id="{8D0AFDB6-1D9D-DD45-84FF-8586F52B641D}" type="datetimeFigureOut">
               <a:rPr lang="en-US" smtClean="0"/>
-              <a:t>8/29/24</a:t>
+              <a:t>9/11/24</a:t>
             </a:fld>
             <a:endParaRPr lang="en-US"/>
           </a:p>
@@ -821,7 +821,7 @@
           <a:p>
             <a:fld id="{8D0AFDB6-1D9D-DD45-84FF-8586F52B641D}" type="datetimeFigureOut">
               <a:rPr lang="en-US" smtClean="0"/>
-              <a:t>8/29/24</a:t>
+              <a:t>9/11/24</a:t>
             </a:fld>
             <a:endParaRPr lang="en-US"/>
           </a:p>
@@ -1031,7 +1031,7 @@
           <a:p>
             <a:fld id="{8D0AFDB6-1D9D-DD45-84FF-8586F52B641D}" type="datetimeFigureOut">
               <a:rPr lang="en-US" smtClean="0"/>
-              <a:t>8/29/24</a:t>
+              <a:t>9/11/24</a:t>
             </a:fld>
             <a:endParaRPr lang="en-US"/>
           </a:p>
@@ -1231,7 +1231,7 @@
           <a:p>
             <a:fld id="{8D0AFDB6-1D9D-DD45-84FF-8586F52B641D}" type="datetimeFigureOut">
               <a:rPr lang="en-US" smtClean="0"/>
-              <a:t>8/29/24</a:t>
+              <a:t>9/11/24</a:t>
             </a:fld>
             <a:endParaRPr lang="en-US"/>
           </a:p>
@@ -1507,7 +1507,7 @@
           <a:p>
             <a:fld id="{8D0AFDB6-1D9D-DD45-84FF-8586F52B641D}" type="datetimeFigureOut">
               <a:rPr lang="en-US" smtClean="0"/>
-              <a:t>8/29/24</a:t>
+              <a:t>9/11/24</a:t>
             </a:fld>
             <a:endParaRPr lang="en-US"/>
           </a:p>
@@ -1775,7 +1775,7 @@
           <a:p>
             <a:fld id="{8D0AFDB6-1D9D-DD45-84FF-8586F52B641D}" type="datetimeFigureOut">
               <a:rPr lang="en-US" smtClean="0"/>
-              <a:t>8/29/24</a:t>
+              <a:t>9/11/24</a:t>
             </a:fld>
             <a:endParaRPr lang="en-US"/>
           </a:p>
@@ -2190,7 +2190,7 @@
           <a:p>
             <a:fld id="{8D0AFDB6-1D9D-DD45-84FF-8586F52B641D}" type="datetimeFigureOut">
               <a:rPr lang="en-US" smtClean="0"/>
-              <a:t>8/29/24</a:t>
+              <a:t>9/11/24</a:t>
             </a:fld>
             <a:endParaRPr lang="en-US"/>
           </a:p>
@@ -2332,7 +2332,7 @@
           <a:p>
             <a:fld id="{8D0AFDB6-1D9D-DD45-84FF-8586F52B641D}" type="datetimeFigureOut">
               <a:rPr lang="en-US" smtClean="0"/>
-              <a:t>8/29/24</a:t>
+              <a:t>9/11/24</a:t>
             </a:fld>
             <a:endParaRPr lang="en-US"/>
           </a:p>
@@ -2445,7 +2445,7 @@
           <a:p>
             <a:fld id="{8D0AFDB6-1D9D-DD45-84FF-8586F52B641D}" type="datetimeFigureOut">
               <a:rPr lang="en-US" smtClean="0"/>
-              <a:t>8/29/24</a:t>
+              <a:t>9/11/24</a:t>
             </a:fld>
             <a:endParaRPr lang="en-US"/>
           </a:p>
@@ -2758,7 +2758,7 @@
           <a:p>
             <a:fld id="{8D0AFDB6-1D9D-DD45-84FF-8586F52B641D}" type="datetimeFigureOut">
               <a:rPr lang="en-US" smtClean="0"/>
-              <a:t>8/29/24</a:t>
+              <a:t>9/11/24</a:t>
             </a:fld>
             <a:endParaRPr lang="en-US"/>
           </a:p>
@@ -3047,7 +3047,7 @@
           <a:p>
             <a:fld id="{8D0AFDB6-1D9D-DD45-84FF-8586F52B641D}" type="datetimeFigureOut">
               <a:rPr lang="en-US" smtClean="0"/>
-              <a:t>8/29/24</a:t>
+              <a:t>9/11/24</a:t>
             </a:fld>
             <a:endParaRPr lang="en-US"/>
           </a:p>
@@ -3290,7 +3290,7 @@
           <a:p>
             <a:fld id="{8D0AFDB6-1D9D-DD45-84FF-8586F52B641D}" type="datetimeFigureOut">
               <a:rPr lang="en-US" smtClean="0"/>
-              <a:t>8/29/24</a:t>
+              <a:t>9/11/24</a:t>
             </a:fld>
             <a:endParaRPr lang="en-US"/>
           </a:p>
@@ -4155,7 +4155,7 @@
           <a:p>
             <a:r>
               <a:rPr lang="en-US" dirty="0"/>
-              <a:t>1. </a:t>
+              <a:t>1. Probabilities 1, dis and con </a:t>
             </a:r>
           </a:p>
         </p:txBody>
@@ -4176,9 +4176,8 @@
         </p:nvPicPr>
         <p:blipFill>
           <a:blip r:embed="rId2"/>
-          <a:stretch>
-            <a:fillRect/>
-          </a:stretch>
+          <a:srcRect/>
+          <a:stretch/>
         </p:blipFill>
         <p:spPr>
           <a:xfrm>
@@ -4206,9 +4205,8 @@
         </p:nvPicPr>
         <p:blipFill>
           <a:blip r:embed="rId3"/>
-          <a:stretch>
-            <a:fillRect/>
-          </a:stretch>
+          <a:srcRect/>
+          <a:stretch/>
         </p:blipFill>
         <p:spPr>
           <a:xfrm>
@@ -4273,7 +4271,7 @@
           <a:p>
             <a:r>
               <a:rPr lang="en-US" dirty="0"/>
-              <a:t>2. </a:t>
+              <a:t>2. Probabilities 2, dis and con </a:t>
             </a:r>
           </a:p>
         </p:txBody>
@@ -4391,6 +4389,11 @@
               <a:rPr lang="en-US" dirty="0"/>
               <a:t>3. </a:t>
             </a:r>
+            <a:r>
+              <a:rPr lang="en-US"/>
+              <a:t>Probabilities 3, dis and con </a:t>
+            </a:r>
+            <a:endParaRPr lang="en-US" dirty="0"/>
           </a:p>
         </p:txBody>
       </p:sp>
@@ -4528,9 +4531,8 @@
         </p:nvPicPr>
         <p:blipFill>
           <a:blip r:embed="rId2"/>
-          <a:stretch>
-            <a:fillRect/>
-          </a:stretch>
+          <a:srcRect/>
+          <a:stretch/>
         </p:blipFill>
         <p:spPr>
           <a:xfrm>
@@ -4555,14 +4557,13 @@
         </p:nvPicPr>
         <p:blipFill>
           <a:blip r:embed="rId3"/>
-          <a:stretch>
-            <a:fillRect/>
-          </a:stretch>
+          <a:srcRect/>
+          <a:stretch/>
         </p:blipFill>
         <p:spPr>
           <a:xfrm>
             <a:off x="4016830" y="1792967"/>
-            <a:ext cx="4532903" cy="3237788"/>
+            <a:ext cx="4532903" cy="3237787"/>
           </a:xfrm>
           <a:prstGeom prst="rect">
             <a:avLst/>
@@ -4585,14 +4586,13 @@
         </p:nvPicPr>
         <p:blipFill>
           <a:blip r:embed="rId4"/>
-          <a:stretch>
-            <a:fillRect/>
-          </a:stretch>
+          <a:srcRect/>
+          <a:stretch/>
         </p:blipFill>
         <p:spPr>
           <a:xfrm>
             <a:off x="7748568" y="1792967"/>
-            <a:ext cx="4532903" cy="3237788"/>
+            <a:ext cx="4532903" cy="3237787"/>
           </a:xfrm>
           <a:prstGeom prst="rect">
             <a:avLst/>
@@ -4706,8 +4706,8 @@
         </p:blipFill>
         <p:spPr>
           <a:xfrm>
-            <a:off x="4016830" y="1792967"/>
-            <a:ext cx="4532903" cy="3237787"/>
+            <a:off x="4016831" y="1792967"/>
+            <a:ext cx="4532901" cy="3237787"/>
           </a:xfrm>
           <a:prstGeom prst="rect">
             <a:avLst/>
@@ -4735,8 +4735,8 @@
         </p:blipFill>
         <p:spPr>
           <a:xfrm>
-            <a:off x="7748568" y="1792967"/>
-            <a:ext cx="4532903" cy="3237787"/>
+            <a:off x="7748569" y="1792967"/>
+            <a:ext cx="4532901" cy="3237787"/>
           </a:xfrm>
           <a:prstGeom prst="rect">
             <a:avLst/>
